--- a/Project3-WebScraping/Samriddhi_Trulia/Trulia Scrapping.pptx
+++ b/Project3-WebScraping/Samriddhi_Trulia/Trulia Scrapping.pptx
@@ -12,16 +12,15 @@
     <p:sldId id="272" r:id="rId6"/>
     <p:sldId id="259" r:id="rId7"/>
     <p:sldId id="260" r:id="rId8"/>
-    <p:sldId id="261" r:id="rId9"/>
-    <p:sldId id="262" r:id="rId10"/>
-    <p:sldId id="271" r:id="rId11"/>
-    <p:sldId id="263" r:id="rId12"/>
-    <p:sldId id="264" r:id="rId13"/>
-    <p:sldId id="265" r:id="rId14"/>
-    <p:sldId id="266" r:id="rId15"/>
-    <p:sldId id="267" r:id="rId16"/>
-    <p:sldId id="268" r:id="rId17"/>
-    <p:sldId id="269" r:id="rId18"/>
+    <p:sldId id="273" r:id="rId9"/>
+    <p:sldId id="274" r:id="rId10"/>
+    <p:sldId id="275" r:id="rId11"/>
+    <p:sldId id="262" r:id="rId12"/>
+    <p:sldId id="271" r:id="rId13"/>
+    <p:sldId id="263" r:id="rId14"/>
+    <p:sldId id="267" r:id="rId15"/>
+    <p:sldId id="268" r:id="rId16"/>
+    <p:sldId id="269" r:id="rId17"/>
   </p:sldIdLst>
   <p:sldSz cx="9144000" cy="6858000" type="screen4x3"/>
   <p:notesSz cx="6858000" cy="9144000"/>
@@ -318,7 +317,7 @@
             <a:fld id="{1D8BD707-D9CF-40AE-B4C6-C98DA3205C09}" type="datetimeFigureOut">
               <a:rPr lang="en-US" smtClean="0"/>
               <a:pPr/>
-              <a:t>8/14/2016</a:t>
+              <a:t>8/16/2016</a:t>
             </a:fld>
             <a:endParaRPr lang="en-US"/>
           </a:p>
@@ -485,7 +484,7 @@
             <a:fld id="{1D8BD707-D9CF-40AE-B4C6-C98DA3205C09}" type="datetimeFigureOut">
               <a:rPr lang="en-US" smtClean="0"/>
               <a:pPr/>
-              <a:t>8/14/2016</a:t>
+              <a:t>8/16/2016</a:t>
             </a:fld>
             <a:endParaRPr lang="en-US"/>
           </a:p>
@@ -662,7 +661,7 @@
             <a:fld id="{1D8BD707-D9CF-40AE-B4C6-C98DA3205C09}" type="datetimeFigureOut">
               <a:rPr lang="en-US" smtClean="0"/>
               <a:pPr/>
-              <a:t>8/14/2016</a:t>
+              <a:t>8/16/2016</a:t>
             </a:fld>
             <a:endParaRPr lang="en-US"/>
           </a:p>
@@ -829,7 +828,7 @@
             <a:fld id="{1D8BD707-D9CF-40AE-B4C6-C98DA3205C09}" type="datetimeFigureOut">
               <a:rPr lang="en-US" smtClean="0"/>
               <a:pPr/>
-              <a:t>8/14/2016</a:t>
+              <a:t>8/16/2016</a:t>
             </a:fld>
             <a:endParaRPr lang="en-US"/>
           </a:p>
@@ -1072,7 +1071,7 @@
             <a:fld id="{1D8BD707-D9CF-40AE-B4C6-C98DA3205C09}" type="datetimeFigureOut">
               <a:rPr lang="en-US" smtClean="0"/>
               <a:pPr/>
-              <a:t>8/14/2016</a:t>
+              <a:t>8/16/2016</a:t>
             </a:fld>
             <a:endParaRPr lang="en-US"/>
           </a:p>
@@ -1357,7 +1356,7 @@
             <a:fld id="{1D8BD707-D9CF-40AE-B4C6-C98DA3205C09}" type="datetimeFigureOut">
               <a:rPr lang="en-US" smtClean="0"/>
               <a:pPr/>
-              <a:t>8/14/2016</a:t>
+              <a:t>8/16/2016</a:t>
             </a:fld>
             <a:endParaRPr lang="en-US"/>
           </a:p>
@@ -1788,7 +1787,7 @@
             <a:fld id="{1D8BD707-D9CF-40AE-B4C6-C98DA3205C09}" type="datetimeFigureOut">
               <a:rPr lang="en-US" smtClean="0"/>
               <a:pPr/>
-              <a:t>8/14/2016</a:t>
+              <a:t>8/16/2016</a:t>
             </a:fld>
             <a:endParaRPr lang="en-US"/>
           </a:p>
@@ -1903,7 +1902,7 @@
             <a:fld id="{1D8BD707-D9CF-40AE-B4C6-C98DA3205C09}" type="datetimeFigureOut">
               <a:rPr lang="en-US" smtClean="0"/>
               <a:pPr/>
-              <a:t>8/14/2016</a:t>
+              <a:t>8/16/2016</a:t>
             </a:fld>
             <a:endParaRPr lang="en-US"/>
           </a:p>
@@ -1995,7 +1994,7 @@
             <a:fld id="{1D8BD707-D9CF-40AE-B4C6-C98DA3205C09}" type="datetimeFigureOut">
               <a:rPr lang="en-US" smtClean="0"/>
               <a:pPr/>
-              <a:t>8/14/2016</a:t>
+              <a:t>8/16/2016</a:t>
             </a:fld>
             <a:endParaRPr lang="en-US"/>
           </a:p>
@@ -2186,7 +2185,7 @@
             <a:fld id="{1D8BD707-D9CF-40AE-B4C6-C98DA3205C09}" type="datetimeFigureOut">
               <a:rPr lang="en-US" smtClean="0"/>
               <a:pPr/>
-              <a:t>8/14/2016</a:t>
+              <a:t>8/16/2016</a:t>
             </a:fld>
             <a:endParaRPr lang="en-US"/>
           </a:p>
@@ -2506,7 +2505,7 @@
             <a:fld id="{1D8BD707-D9CF-40AE-B4C6-C98DA3205C09}" type="datetimeFigureOut">
               <a:rPr lang="en-US" smtClean="0"/>
               <a:pPr/>
-              <a:t>8/14/2016</a:t>
+              <a:t>8/16/2016</a:t>
             </a:fld>
             <a:endParaRPr lang="en-US"/>
           </a:p>
@@ -2888,7 +2887,7 @@
             <a:fld id="{1D8BD707-D9CF-40AE-B4C6-C98DA3205C09}" type="datetimeFigureOut">
               <a:rPr lang="en-US" smtClean="0"/>
               <a:pPr/>
-              <a:t>8/14/2016</a:t>
+              <a:t>8/16/2016</a:t>
             </a:fld>
             <a:endParaRPr lang="en-US"/>
           </a:p>
@@ -3415,6 +3414,206 @@
         </p:blipFill>
         <p:spPr>
           <a:xfrm>
+            <a:off x="276072" y="-13855"/>
+            <a:ext cx="8686800" cy="2006998"/>
+          </a:xfrm>
+        </p:spPr>
+      </p:pic>
+      <p:pic>
+        <p:nvPicPr>
+          <p:cNvPr id="5" name="Picture 4"/>
+          <p:cNvPicPr>
+            <a:picLocks noChangeAspect="1"/>
+          </p:cNvPicPr>
+          <p:nvPr/>
+        </p:nvPicPr>
+        <p:blipFill>
+          <a:blip r:embed="rId3">
+            <a:extLst>
+              <a:ext uri="{28A0092B-C50C-407E-A947-70E740481C1C}">
+                <a14:useLocalDpi xmlns:a14="http://schemas.microsoft.com/office/drawing/2010/main" val="0"/>
+              </a:ext>
+            </a:extLst>
+          </a:blip>
+          <a:stretch>
+            <a:fillRect/>
+          </a:stretch>
+        </p:blipFill>
+        <p:spPr>
+          <a:xfrm>
+            <a:off x="94944" y="2438400"/>
+            <a:ext cx="9049056" cy="4343400"/>
+          </a:xfrm>
+          <a:prstGeom prst="rect">
+            <a:avLst/>
+          </a:prstGeom>
+        </p:spPr>
+      </p:pic>
+    </p:spTree>
+    <p:extLst>
+      <p:ext uri="{BB962C8B-B14F-4D97-AF65-F5344CB8AC3E}">
+        <p14:creationId xmlns:p14="http://schemas.microsoft.com/office/powerpoint/2010/main" val="2689893472"/>
+      </p:ext>
+    </p:extLst>
+  </p:cSld>
+  <p:clrMapOvr>
+    <a:masterClrMapping/>
+  </p:clrMapOvr>
+  <p:timing>
+    <p:tnLst>
+      <p:par>
+        <p:cTn id="1" dur="indefinite" restart="never" nodeType="tmRoot"/>
+      </p:par>
+    </p:tnLst>
+  </p:timing>
+</p:sld>
+</file>
+
+<file path=ppt/slides/slide11.xml><?xml version="1.0" encoding="utf-8"?>
+<p:sld xmlns:a="http://schemas.openxmlformats.org/drawingml/2006/main" xmlns:r="http://schemas.openxmlformats.org/officeDocument/2006/relationships" xmlns:p="http://schemas.openxmlformats.org/presentationml/2006/main">
+  <p:cSld>
+    <p:spTree>
+      <p:nvGrpSpPr>
+        <p:cNvPr id="1" name=""/>
+        <p:cNvGrpSpPr/>
+        <p:nvPr/>
+      </p:nvGrpSpPr>
+      <p:grpSpPr>
+        <a:xfrm>
+          <a:off x="0" y="0"/>
+          <a:ext cx="0" cy="0"/>
+          <a:chOff x="0" y="0"/>
+          <a:chExt cx="0" cy="0"/>
+        </a:xfrm>
+      </p:grpSpPr>
+      <p:sp>
+        <p:nvSpPr>
+          <p:cNvPr id="2" name="Title 1"/>
+          <p:cNvSpPr>
+            <a:spLocks noGrp="1"/>
+          </p:cNvSpPr>
+          <p:nvPr>
+            <p:ph type="title"/>
+          </p:nvPr>
+        </p:nvSpPr>
+        <p:spPr/>
+        <p:txBody>
+          <a:bodyPr/>
+          <a:lstStyle/>
+          <a:p>
+            <a:endParaRPr lang="en-US"/>
+          </a:p>
+        </p:txBody>
+      </p:sp>
+      <p:pic>
+        <p:nvPicPr>
+          <p:cNvPr id="5" name="Content Placeholder 4"/>
+          <p:cNvPicPr>
+            <a:picLocks noGrp="1" noChangeAspect="1"/>
+          </p:cNvPicPr>
+          <p:nvPr>
+            <p:ph idx="1"/>
+          </p:nvPr>
+        </p:nvPicPr>
+        <p:blipFill>
+          <a:blip r:embed="rId2">
+            <a:extLst>
+              <a:ext uri="{28A0092B-C50C-407E-A947-70E740481C1C}">
+                <a14:useLocalDpi xmlns:a14="http://schemas.microsoft.com/office/drawing/2010/main" val="0"/>
+              </a:ext>
+            </a:extLst>
+          </a:blip>
+          <a:stretch>
+            <a:fillRect/>
+          </a:stretch>
+        </p:blipFill>
+        <p:spPr>
+          <a:xfrm>
+            <a:off x="0" y="76200"/>
+            <a:ext cx="9144000" cy="6781800"/>
+          </a:xfrm>
+        </p:spPr>
+      </p:pic>
+    </p:spTree>
+    <p:extLst>
+      <p:ext uri="{BB962C8B-B14F-4D97-AF65-F5344CB8AC3E}">
+        <p14:creationId xmlns:p14="http://schemas.microsoft.com/office/powerpoint/2010/main" val="1081285645"/>
+      </p:ext>
+    </p:extLst>
+  </p:cSld>
+  <p:clrMapOvr>
+    <a:masterClrMapping/>
+  </p:clrMapOvr>
+  <p:timing>
+    <p:tnLst>
+      <p:par>
+        <p:cTn id="1" dur="indefinite" restart="never" nodeType="tmRoot"/>
+      </p:par>
+    </p:tnLst>
+  </p:timing>
+</p:sld>
+</file>
+
+<file path=ppt/slides/slide12.xml><?xml version="1.0" encoding="utf-8"?>
+<p:sld xmlns:a="http://schemas.openxmlformats.org/drawingml/2006/main" xmlns:r="http://schemas.openxmlformats.org/officeDocument/2006/relationships" xmlns:p="http://schemas.openxmlformats.org/presentationml/2006/main">
+  <p:cSld>
+    <p:spTree>
+      <p:nvGrpSpPr>
+        <p:cNvPr id="1" name=""/>
+        <p:cNvGrpSpPr/>
+        <p:nvPr/>
+      </p:nvGrpSpPr>
+      <p:grpSpPr>
+        <a:xfrm>
+          <a:off x="0" y="0"/>
+          <a:ext cx="0" cy="0"/>
+          <a:chOff x="0" y="0"/>
+          <a:chExt cx="0" cy="0"/>
+        </a:xfrm>
+      </p:grpSpPr>
+      <p:sp>
+        <p:nvSpPr>
+          <p:cNvPr id="2" name="Title 1"/>
+          <p:cNvSpPr>
+            <a:spLocks noGrp="1"/>
+          </p:cNvSpPr>
+          <p:nvPr>
+            <p:ph type="title"/>
+          </p:nvPr>
+        </p:nvSpPr>
+        <p:spPr/>
+        <p:txBody>
+          <a:bodyPr/>
+          <a:lstStyle/>
+          <a:p>
+            <a:endParaRPr lang="en-US"/>
+          </a:p>
+        </p:txBody>
+      </p:sp>
+      <p:pic>
+        <p:nvPicPr>
+          <p:cNvPr id="4" name="Content Placeholder 3"/>
+          <p:cNvPicPr>
+            <a:picLocks noGrp="1" noChangeAspect="1"/>
+          </p:cNvPicPr>
+          <p:nvPr>
+            <p:ph idx="1"/>
+          </p:nvPr>
+        </p:nvPicPr>
+        <p:blipFill>
+          <a:blip r:embed="rId2">
+            <a:extLst>
+              <a:ext uri="{28A0092B-C50C-407E-A947-70E740481C1C}">
+                <a14:useLocalDpi xmlns:a14="http://schemas.microsoft.com/office/drawing/2010/main" val="0"/>
+              </a:ext>
+            </a:extLst>
+          </a:blip>
+          <a:stretch>
+            <a:fillRect/>
+          </a:stretch>
+        </p:blipFill>
+        <p:spPr>
+          <a:xfrm>
             <a:off x="76200" y="76200"/>
             <a:ext cx="8686800" cy="6730622"/>
           </a:xfrm>
@@ -3440,7 +3639,7 @@
 </p:sld>
 </file>
 
-<file path=ppt/slides/slide11.xml><?xml version="1.0" encoding="utf-8"?>
+<file path=ppt/slides/slide13.xml><?xml version="1.0" encoding="utf-8"?>
 <p:sld xmlns:a="http://schemas.openxmlformats.org/drawingml/2006/main" xmlns:r="http://schemas.openxmlformats.org/officeDocument/2006/relationships" xmlns:p="http://schemas.openxmlformats.org/presentationml/2006/main">
   <p:cSld>
     <p:spTree>
@@ -3555,176 +3754,6 @@
 </p:sld>
 </file>
 
-<file path=ppt/slides/slide12.xml><?xml version="1.0" encoding="utf-8"?>
-<p:sld xmlns:a="http://schemas.openxmlformats.org/drawingml/2006/main" xmlns:r="http://schemas.openxmlformats.org/officeDocument/2006/relationships" xmlns:p="http://schemas.openxmlformats.org/presentationml/2006/main">
-  <p:cSld>
-    <p:spTree>
-      <p:nvGrpSpPr>
-        <p:cNvPr id="1" name=""/>
-        <p:cNvGrpSpPr/>
-        <p:nvPr/>
-      </p:nvGrpSpPr>
-      <p:grpSpPr>
-        <a:xfrm>
-          <a:off x="0" y="0"/>
-          <a:ext cx="0" cy="0"/>
-          <a:chOff x="0" y="0"/>
-          <a:chExt cx="0" cy="0"/>
-        </a:xfrm>
-      </p:grpSpPr>
-      <p:sp>
-        <p:nvSpPr>
-          <p:cNvPr id="2" name="Title 1"/>
-          <p:cNvSpPr>
-            <a:spLocks noGrp="1"/>
-          </p:cNvSpPr>
-          <p:nvPr>
-            <p:ph type="title"/>
-          </p:nvPr>
-        </p:nvSpPr>
-        <p:spPr/>
-        <p:txBody>
-          <a:bodyPr/>
-          <a:lstStyle/>
-          <a:p>
-            <a:endParaRPr lang="en-US"/>
-          </a:p>
-        </p:txBody>
-      </p:sp>
-      <p:pic>
-        <p:nvPicPr>
-          <p:cNvPr id="4" name="Content Placeholder 3"/>
-          <p:cNvPicPr>
-            <a:picLocks noGrp="1" noChangeAspect="1"/>
-          </p:cNvPicPr>
-          <p:nvPr>
-            <p:ph idx="1"/>
-          </p:nvPr>
-        </p:nvPicPr>
-        <p:blipFill>
-          <a:blip r:embed="rId2">
-            <a:extLst>
-              <a:ext uri="{28A0092B-C50C-407E-A947-70E740481C1C}">
-                <a14:useLocalDpi xmlns:a14="http://schemas.microsoft.com/office/drawing/2010/main" val="0"/>
-              </a:ext>
-            </a:extLst>
-          </a:blip>
-          <a:stretch>
-            <a:fillRect/>
-          </a:stretch>
-        </p:blipFill>
-        <p:spPr>
-          <a:xfrm>
-            <a:off x="381000" y="228600"/>
-            <a:ext cx="8610600" cy="6477000"/>
-          </a:xfrm>
-        </p:spPr>
-      </p:pic>
-    </p:spTree>
-    <p:extLst>
-      <p:ext uri="{BB962C8B-B14F-4D97-AF65-F5344CB8AC3E}">
-        <p14:creationId xmlns:p14="http://schemas.microsoft.com/office/powerpoint/2010/main" val="3599627376"/>
-      </p:ext>
-    </p:extLst>
-  </p:cSld>
-  <p:clrMapOvr>
-    <a:masterClrMapping/>
-  </p:clrMapOvr>
-  <p:timing>
-    <p:tnLst>
-      <p:par>
-        <p:cTn id="1" dur="indefinite" restart="never" nodeType="tmRoot"/>
-      </p:par>
-    </p:tnLst>
-  </p:timing>
-</p:sld>
-</file>
-
-<file path=ppt/slides/slide13.xml><?xml version="1.0" encoding="utf-8"?>
-<p:sld xmlns:a="http://schemas.openxmlformats.org/drawingml/2006/main" xmlns:r="http://schemas.openxmlformats.org/officeDocument/2006/relationships" xmlns:p="http://schemas.openxmlformats.org/presentationml/2006/main">
-  <p:cSld>
-    <p:spTree>
-      <p:nvGrpSpPr>
-        <p:cNvPr id="1" name=""/>
-        <p:cNvGrpSpPr/>
-        <p:nvPr/>
-      </p:nvGrpSpPr>
-      <p:grpSpPr>
-        <a:xfrm>
-          <a:off x="0" y="0"/>
-          <a:ext cx="0" cy="0"/>
-          <a:chOff x="0" y="0"/>
-          <a:chExt cx="0" cy="0"/>
-        </a:xfrm>
-      </p:grpSpPr>
-      <p:sp>
-        <p:nvSpPr>
-          <p:cNvPr id="2" name="Title 1"/>
-          <p:cNvSpPr>
-            <a:spLocks noGrp="1"/>
-          </p:cNvSpPr>
-          <p:nvPr>
-            <p:ph type="title"/>
-          </p:nvPr>
-        </p:nvSpPr>
-        <p:spPr/>
-        <p:txBody>
-          <a:bodyPr/>
-          <a:lstStyle/>
-          <a:p>
-            <a:endParaRPr lang="en-US"/>
-          </a:p>
-        </p:txBody>
-      </p:sp>
-      <p:pic>
-        <p:nvPicPr>
-          <p:cNvPr id="4" name="Content Placeholder 3"/>
-          <p:cNvPicPr>
-            <a:picLocks noGrp="1" noChangeAspect="1"/>
-          </p:cNvPicPr>
-          <p:nvPr>
-            <p:ph idx="1"/>
-          </p:nvPr>
-        </p:nvPicPr>
-        <p:blipFill>
-          <a:blip r:embed="rId2">
-            <a:extLst>
-              <a:ext uri="{28A0092B-C50C-407E-A947-70E740481C1C}">
-                <a14:useLocalDpi xmlns:a14="http://schemas.microsoft.com/office/drawing/2010/main" val="0"/>
-              </a:ext>
-            </a:extLst>
-          </a:blip>
-          <a:stretch>
-            <a:fillRect/>
-          </a:stretch>
-        </p:blipFill>
-        <p:spPr>
-          <a:xfrm>
-            <a:off x="20782" y="108350"/>
-            <a:ext cx="9067800" cy="6742723"/>
-          </a:xfrm>
-        </p:spPr>
-      </p:pic>
-    </p:spTree>
-    <p:extLst>
-      <p:ext uri="{BB962C8B-B14F-4D97-AF65-F5344CB8AC3E}">
-        <p14:creationId xmlns:p14="http://schemas.microsoft.com/office/powerpoint/2010/main" val="3403066766"/>
-      </p:ext>
-    </p:extLst>
-  </p:cSld>
-  <p:clrMapOvr>
-    <a:masterClrMapping/>
-  </p:clrMapOvr>
-  <p:timing>
-    <p:tnLst>
-      <p:par>
-        <p:cTn id="1" dur="indefinite" restart="never" nodeType="tmRoot"/>
-      </p:par>
-    </p:tnLst>
-  </p:timing>
-</p:sld>
-</file>
-
 <file path=ppt/slides/slide14.xml><?xml version="1.0" encoding="utf-8"?>
 <p:sld xmlns:a="http://schemas.openxmlformats.org/drawingml/2006/main" xmlns:r="http://schemas.openxmlformats.org/officeDocument/2006/relationships" xmlns:p="http://schemas.openxmlformats.org/presentationml/2006/main">
   <p:cSld>
@@ -3757,7 +3786,12 @@
           <a:bodyPr/>
           <a:lstStyle/>
           <a:p>
-            <a:endParaRPr lang="en-US"/>
+            <a:pPr algn="ctr"/>
+            <a:r>
+              <a:rPr lang="en-US" dirty="0" smtClean="0"/>
+              <a:t>App Demonstration</a:t>
+            </a:r>
+            <a:endParaRPr lang="en-US" dirty="0"/>
           </a:p>
         </p:txBody>
       </p:sp>
@@ -3785,15 +3819,55 @@
         </p:blipFill>
         <p:spPr>
           <a:xfrm>
-            <a:off x="152400" y="228600"/>
-            <a:ext cx="8763000" cy="6477000"/>
+            <a:off x="990600" y="1200150"/>
+            <a:ext cx="5943600" cy="4457700"/>
           </a:xfrm>
         </p:spPr>
       </p:pic>
+      <p:sp>
+        <p:nvSpPr>
+          <p:cNvPr id="3" name="Rectangle 2"/>
+          <p:cNvSpPr/>
+          <p:nvPr/>
+        </p:nvSpPr>
+        <p:spPr>
+          <a:xfrm>
+            <a:off x="685800" y="5975866"/>
+            <a:ext cx="7848600" cy="1077218"/>
+          </a:xfrm>
+          <a:prstGeom prst="rect">
+            <a:avLst/>
+          </a:prstGeom>
+        </p:spPr>
+        <p:txBody>
+          <a:bodyPr wrap="square">
+            <a:spAutoFit/>
+          </a:bodyPr>
+          <a:lstStyle/>
+          <a:p>
+            <a:r>
+              <a:rPr lang="en-US" sz="3200" dirty="0">
+                <a:hlinkClick r:id="rId3"/>
+              </a:rPr>
+              <a:t>https://samriddhishakya.shinyapps.io/Trulia</a:t>
+            </a:r>
+            <a:r>
+              <a:rPr lang="en-US" sz="3200" dirty="0" smtClean="0">
+                <a:hlinkClick r:id="rId3"/>
+              </a:rPr>
+              <a:t>/</a:t>
+            </a:r>
+            <a:endParaRPr lang="en-US" sz="3200" dirty="0" smtClean="0"/>
+          </a:p>
+          <a:p>
+            <a:endParaRPr lang="en-US" sz="3200" dirty="0"/>
+          </a:p>
+        </p:txBody>
+      </p:sp>
     </p:spTree>
     <p:extLst>
       <p:ext uri="{BB962C8B-B14F-4D97-AF65-F5344CB8AC3E}">
-        <p14:creationId xmlns:p14="http://schemas.microsoft.com/office/powerpoint/2010/main" val="1413284851"/>
+        <p14:creationId xmlns:p14="http://schemas.microsoft.com/office/powerpoint/2010/main" val="2031366370"/>
       </p:ext>
     </p:extLst>
   </p:cSld>
@@ -3845,45 +3919,94 @@
             <a:pPr algn="ctr"/>
             <a:r>
               <a:rPr lang="en-US" dirty="0" smtClean="0"/>
-              <a:t>App Demonstration</a:t>
+              <a:t>Future Works</a:t>
             </a:r>
             <a:endParaRPr lang="en-US" dirty="0"/>
           </a:p>
         </p:txBody>
       </p:sp>
-      <p:pic>
-        <p:nvPicPr>
-          <p:cNvPr id="4" name="Content Placeholder 3"/>
-          <p:cNvPicPr>
-            <a:picLocks noGrp="1" noChangeAspect="1"/>
-          </p:cNvPicPr>
+      <p:sp>
+        <p:nvSpPr>
+          <p:cNvPr id="3" name="Content Placeholder 2"/>
+          <p:cNvSpPr>
+            <a:spLocks noGrp="1"/>
+          </p:cNvSpPr>
           <p:nvPr>
             <p:ph idx="1"/>
           </p:nvPr>
-        </p:nvPicPr>
-        <p:blipFill>
-          <a:blip r:embed="rId2">
-            <a:extLst>
-              <a:ext uri="{28A0092B-C50C-407E-A947-70E740481C1C}">
-                <a14:useLocalDpi xmlns:a14="http://schemas.microsoft.com/office/drawing/2010/main" val="0"/>
-              </a:ext>
-            </a:extLst>
-          </a:blip>
-          <a:stretch>
-            <a:fillRect/>
-          </a:stretch>
-        </p:blipFill>
+        </p:nvSpPr>
         <p:spPr>
           <a:xfrm>
-            <a:off x="1143000" y="1447800"/>
-            <a:ext cx="6350000" cy="4762500"/>
+            <a:off x="457200" y="1600200"/>
+            <a:ext cx="7772400" cy="4800600"/>
           </a:xfrm>
         </p:spPr>
-      </p:pic>
+        <p:txBody>
+          <a:bodyPr>
+            <a:normAutofit/>
+          </a:bodyPr>
+          <a:lstStyle/>
+          <a:p>
+            <a:r>
+              <a:rPr lang="en-US" sz="3200" dirty="0" smtClean="0"/>
+              <a:t>Expanding to other boroughs </a:t>
+            </a:r>
+            <a:r>
+              <a:rPr lang="en-US" sz="3200" dirty="0" smtClean="0"/>
+              <a:t>in </a:t>
+            </a:r>
+            <a:r>
+              <a:rPr lang="en-US" sz="3200" dirty="0" smtClean="0"/>
+              <a:t>New York</a:t>
+            </a:r>
+          </a:p>
+          <a:p>
+            <a:r>
+              <a:rPr lang="en-US" sz="3200" dirty="0" smtClean="0"/>
+              <a:t>Include more data from the website</a:t>
+            </a:r>
+          </a:p>
+          <a:p>
+            <a:r>
+              <a:rPr lang="en-US" sz="3200" dirty="0" smtClean="0"/>
+              <a:t>Add more Features to the map</a:t>
+            </a:r>
+          </a:p>
+          <a:p>
+            <a:r>
+              <a:rPr lang="en-US" sz="3200" dirty="0" smtClean="0"/>
+              <a:t>Add Pictures of the Apartments </a:t>
+            </a:r>
+          </a:p>
+          <a:p>
+            <a:r>
+              <a:rPr lang="en-US" sz="3200" dirty="0" smtClean="0"/>
+              <a:t>Built </a:t>
+            </a:r>
+            <a:r>
+              <a:rPr lang="en-US" sz="3200" dirty="0" smtClean="0"/>
+              <a:t>a multiple linear </a:t>
+            </a:r>
+            <a:r>
+              <a:rPr lang="en-US" sz="3200" dirty="0" smtClean="0"/>
+              <a:t>regression model to estimate price based on different predictor </a:t>
+            </a:r>
+            <a:r>
+              <a:rPr lang="en-US" sz="3200" dirty="0" smtClean="0"/>
+              <a:t>values</a:t>
+            </a:r>
+            <a:r>
+              <a:rPr lang="en-US" sz="3200" dirty="0" smtClean="0"/>
+              <a:t>.</a:t>
+            </a:r>
+            <a:endParaRPr lang="en-US" sz="3200" dirty="0"/>
+          </a:p>
+        </p:txBody>
+      </p:sp>
     </p:spTree>
     <p:extLst>
       <p:ext uri="{BB962C8B-B14F-4D97-AF65-F5344CB8AC3E}">
-        <p14:creationId xmlns:p14="http://schemas.microsoft.com/office/powerpoint/2010/main" val="2031366370"/>
+        <p14:creationId xmlns:p14="http://schemas.microsoft.com/office/powerpoint/2010/main" val="1425959357"/>
       </p:ext>
     </p:extLst>
   </p:cSld>
@@ -3934,115 +4057,10 @@
           <a:p>
             <a:pPr algn="ctr"/>
             <a:r>
-              <a:rPr lang="en-US" dirty="0" smtClean="0"/>
-              <a:t>Future Works</a:t>
-            </a:r>
-            <a:endParaRPr lang="en-US" dirty="0"/>
-          </a:p>
-        </p:txBody>
-      </p:sp>
-      <p:sp>
-        <p:nvSpPr>
-          <p:cNvPr id="3" name="Content Placeholder 2"/>
-          <p:cNvSpPr>
-            <a:spLocks noGrp="1"/>
-          </p:cNvSpPr>
-          <p:nvPr>
-            <p:ph idx="1"/>
-          </p:nvPr>
-        </p:nvSpPr>
-        <p:spPr/>
-        <p:txBody>
-          <a:bodyPr>
-            <a:normAutofit/>
-          </a:bodyPr>
-          <a:lstStyle/>
-          <a:p>
-            <a:r>
-              <a:rPr lang="en-US" sz="3200" dirty="0" smtClean="0"/>
-              <a:t>Expanding to other boroughs on New York</a:t>
-            </a:r>
-          </a:p>
-          <a:p>
-            <a:r>
-              <a:rPr lang="en-US" sz="3200" dirty="0" smtClean="0"/>
-              <a:t>Include more data from the website</a:t>
-            </a:r>
-          </a:p>
-          <a:p>
-            <a:r>
-              <a:rPr lang="en-US" sz="3200" dirty="0" smtClean="0"/>
-              <a:t>Add more Features to the map</a:t>
-            </a:r>
-          </a:p>
-          <a:p>
-            <a:r>
-              <a:rPr lang="en-US" sz="3200" dirty="0" smtClean="0"/>
-              <a:t>Add Pictures of the Apartments </a:t>
-            </a:r>
-          </a:p>
-          <a:p>
-            <a:r>
-              <a:rPr lang="en-US" sz="3200" dirty="0" smtClean="0"/>
-              <a:t>Built a regression model to estimate price based on different predictor data.</a:t>
-            </a:r>
-            <a:endParaRPr lang="en-US" sz="3200" dirty="0"/>
-          </a:p>
-        </p:txBody>
-      </p:sp>
-    </p:spTree>
-    <p:extLst>
-      <p:ext uri="{BB962C8B-B14F-4D97-AF65-F5344CB8AC3E}">
-        <p14:creationId xmlns:p14="http://schemas.microsoft.com/office/powerpoint/2010/main" val="1425959357"/>
-      </p:ext>
-    </p:extLst>
-  </p:cSld>
-  <p:clrMapOvr>
-    <a:masterClrMapping/>
-  </p:clrMapOvr>
-  <p:timing>
-    <p:tnLst>
-      <p:par>
-        <p:cTn id="1" dur="indefinite" restart="never" nodeType="tmRoot"/>
-      </p:par>
-    </p:tnLst>
-  </p:timing>
-</p:sld>
-</file>
-
-<file path=ppt/slides/slide17.xml><?xml version="1.0" encoding="utf-8"?>
-<p:sld xmlns:a="http://schemas.openxmlformats.org/drawingml/2006/main" xmlns:r="http://schemas.openxmlformats.org/officeDocument/2006/relationships" xmlns:p="http://schemas.openxmlformats.org/presentationml/2006/main">
-  <p:cSld>
-    <p:spTree>
-      <p:nvGrpSpPr>
-        <p:cNvPr id="1" name=""/>
-        <p:cNvGrpSpPr/>
-        <p:nvPr/>
-      </p:nvGrpSpPr>
-      <p:grpSpPr>
-        <a:xfrm>
-          <a:off x="0" y="0"/>
-          <a:ext cx="0" cy="0"/>
-          <a:chOff x="0" y="0"/>
-          <a:chExt cx="0" cy="0"/>
-        </a:xfrm>
-      </p:grpSpPr>
-      <p:sp>
-        <p:nvSpPr>
-          <p:cNvPr id="2" name="Title 1"/>
-          <p:cNvSpPr>
-            <a:spLocks noGrp="1"/>
-          </p:cNvSpPr>
-          <p:nvPr>
-            <p:ph type="title"/>
-          </p:nvPr>
-        </p:nvSpPr>
-        <p:spPr/>
-        <p:txBody>
-          <a:bodyPr/>
-          <a:lstStyle/>
-          <a:p>
-            <a:endParaRPr lang="en-US"/>
+              <a:rPr lang="en-US" b="1" dirty="0" smtClean="0"/>
+              <a:t>Questions ?</a:t>
+            </a:r>
+            <a:endParaRPr lang="en-US" b="1" dirty="0"/>
           </a:p>
         </p:txBody>
       </p:sp>
@@ -4070,7 +4088,7 @@
         </p:blipFill>
         <p:spPr>
           <a:xfrm>
-            <a:off x="457200" y="1143000"/>
+            <a:off x="685800" y="1905000"/>
             <a:ext cx="7315200" cy="4648200"/>
           </a:xfrm>
         </p:spPr>
@@ -4127,6 +4145,7 @@
           <a:bodyPr/>
           <a:lstStyle/>
           <a:p>
+            <a:pPr algn="ctr"/>
             <a:r>
               <a:rPr lang="en-US" dirty="0" smtClean="0"/>
               <a:t>About Trulia</a:t>
@@ -4158,8 +4177,12 @@
           <a:lstStyle/>
           <a:p>
             <a:r>
+              <a:rPr lang="en-US" sz="2800" dirty="0"/>
+              <a:t>O</a:t>
+            </a:r>
+            <a:r>
               <a:rPr lang="en-US" sz="2800" dirty="0" smtClean="0"/>
-              <a:t>online </a:t>
+              <a:t>nline </a:t>
             </a:r>
             <a:r>
               <a:rPr lang="en-US" sz="2800" dirty="0"/>
@@ -4266,14 +4289,32 @@
             <p:ph type="title"/>
           </p:nvPr>
         </p:nvSpPr>
-        <p:spPr/>
-        <p:txBody>
-          <a:bodyPr/>
-          <a:lstStyle/>
-          <a:p>
+        <p:spPr>
+          <a:xfrm>
+            <a:off x="457200" y="34636"/>
+            <a:ext cx="7620000" cy="1143000"/>
+          </a:xfrm>
+        </p:spPr>
+        <p:txBody>
+          <a:bodyPr/>
+          <a:lstStyle/>
+          <a:p>
+            <a:pPr algn="ctr"/>
             <a:r>
               <a:rPr lang="en-US" dirty="0" smtClean="0"/>
-              <a:t>Some Facts about NYC Rents</a:t>
+              <a:t>Some Facts about </a:t>
+            </a:r>
+            <a:r>
+              <a:rPr lang="en-US" dirty="0" smtClean="0"/>
+              <a:t>Manhattan</a:t>
+            </a:r>
+            <a:r>
+              <a:rPr lang="en-US" dirty="0" smtClean="0"/>
+              <a:t> </a:t>
+            </a:r>
+            <a:r>
+              <a:rPr lang="en-US" dirty="0" smtClean="0"/>
+              <a:t>Rents</a:t>
             </a:r>
             <a:endParaRPr lang="en-US" dirty="0"/>
           </a:p>
@@ -4301,89 +4342,94 @@
           </a:bodyPr>
           <a:lstStyle/>
           <a:p>
+            <a:r>
+              <a:rPr lang="en-US" sz="2800" b="1" dirty="0"/>
+              <a:t>A “two-bedroom” isn’t always a  </a:t>
+            </a:r>
+            <a:r>
+              <a:rPr lang="en-US" sz="2800" b="1" dirty="0" smtClean="0"/>
+              <a:t>two-bedroom</a:t>
+            </a:r>
+          </a:p>
+          <a:p>
+            <a:endParaRPr lang="en-US" sz="2800" b="1" dirty="0" smtClean="0"/>
+          </a:p>
+          <a:p>
+            <a:r>
+              <a:rPr lang="en-US" sz="2800" b="1" dirty="0" smtClean="0"/>
+              <a:t>Be </a:t>
+            </a:r>
+            <a:r>
+              <a:rPr lang="en-US" sz="2800" b="1" dirty="0"/>
+              <a:t>wary of these words—“duplex," “cozy” and “charming</a:t>
+            </a:r>
+            <a:r>
+              <a:rPr lang="en-US" sz="2800" b="1" dirty="0" smtClean="0"/>
+              <a:t>:</a:t>
+            </a:r>
+            <a:r>
+              <a:rPr lang="en-US" sz="2800" dirty="0" smtClean="0"/>
+              <a:t>“</a:t>
+            </a:r>
+          </a:p>
+          <a:p>
+            <a:endParaRPr lang="en-US" sz="2800" dirty="0" smtClean="0"/>
+          </a:p>
+          <a:p>
+            <a:r>
+              <a:rPr lang="en-US" sz="2800" b="1" dirty="0" smtClean="0"/>
+              <a:t>Prepare </a:t>
+            </a:r>
+            <a:r>
+              <a:rPr lang="en-US" sz="2800" b="1" dirty="0"/>
+              <a:t>to pay a broker’s </a:t>
+            </a:r>
+            <a:r>
+              <a:rPr lang="en-US" sz="2800" b="1" dirty="0" smtClean="0"/>
+              <a:t>fee:</a:t>
+            </a:r>
+          </a:p>
+          <a:p>
+            <a:endParaRPr lang="en-US" sz="2800" b="1" dirty="0" smtClean="0"/>
+          </a:p>
+          <a:p>
+            <a:r>
+              <a:rPr lang="en-US" sz="2800" b="1" dirty="0" smtClean="0"/>
+              <a:t>Always </a:t>
+            </a:r>
+            <a:r>
+              <a:rPr lang="en-US" sz="2800" b="1" dirty="0"/>
+              <a:t>negotiate</a:t>
+            </a:r>
+            <a:r>
+              <a:rPr lang="en-US" sz="2800" b="1" dirty="0" smtClean="0"/>
+              <a:t>:</a:t>
+            </a:r>
+          </a:p>
+          <a:p>
+            <a:endParaRPr lang="en-US" sz="2800" b="1" dirty="0"/>
+          </a:p>
+          <a:p>
+            <a:r>
+              <a:rPr lang="en-US" sz="2800" dirty="0"/>
+              <a:t> </a:t>
+            </a:r>
+            <a:r>
+              <a:rPr lang="en-US" sz="2800" b="1" dirty="0" smtClean="0"/>
+              <a:t>Have </a:t>
+            </a:r>
+            <a:r>
+              <a:rPr lang="en-US" sz="2800" b="1" dirty="0"/>
+              <a:t>all necessary documentation in order</a:t>
+            </a:r>
+            <a:r>
+              <a:rPr lang="en-US" sz="2800" dirty="0"/>
+              <a:t>:  </a:t>
+            </a:r>
+          </a:p>
+          <a:p>
             <a:pPr fontAlgn="auto"/>
-            <a:r>
-              <a:rPr lang="en-US" sz="2000" b="1" dirty="0"/>
-              <a:t>1)</a:t>
-            </a:r>
-            <a:r>
-              <a:rPr lang="en-US" sz="2000" dirty="0"/>
-              <a:t> Most NYC renters live in apartments that are subsidized in some way: 8.2 percent live in public housing, 8.4 percent in subsidized housing, and </a:t>
-            </a:r>
-            <a:r>
-              <a:rPr lang="en-US" sz="2000" b="1" dirty="0"/>
-              <a:t>45.4 percent</a:t>
-            </a:r>
-            <a:r>
-              <a:rPr lang="en-US" sz="2000" dirty="0"/>
-              <a:t> in units that are under rent stabilization or rent control</a:t>
-            </a:r>
-            <a:r>
-              <a:rPr lang="en-US" sz="2000" dirty="0" smtClean="0"/>
-              <a:t>.</a:t>
-            </a:r>
-          </a:p>
-          <a:p>
-            <a:pPr fontAlgn="auto"/>
-            <a:endParaRPr lang="en-US" sz="2000" dirty="0"/>
-          </a:p>
-          <a:p>
-            <a:pPr fontAlgn="auto"/>
-            <a:r>
-              <a:rPr lang="en-US" sz="2000" b="1" dirty="0"/>
-              <a:t>2)</a:t>
-            </a:r>
-            <a:r>
-              <a:rPr lang="en-US" sz="2000" dirty="0"/>
-              <a:t> Median monthly rents increased from $999 in 2007 to $1,084 in 2011, a difference of 8.5 percent</a:t>
-            </a:r>
-            <a:r>
-              <a:rPr lang="en-US" sz="2000" dirty="0" smtClean="0"/>
-              <a:t>.</a:t>
-            </a:r>
-          </a:p>
-          <a:p>
-            <a:pPr fontAlgn="auto"/>
-            <a:endParaRPr lang="en-US" sz="2000" dirty="0"/>
-          </a:p>
-          <a:p>
-            <a:pPr fontAlgn="auto"/>
-            <a:r>
-              <a:rPr lang="en-US" sz="2000" b="1" dirty="0"/>
-              <a:t>3)</a:t>
-            </a:r>
-            <a:r>
-              <a:rPr lang="en-US" sz="2000" dirty="0"/>
-              <a:t> Median gross rent (the base rent plus estimated utilities) rose 10 percent between 2005 and 2011, but median household income in New York City fell</a:t>
-            </a:r>
-            <a:r>
-              <a:rPr lang="en-US" sz="2000" dirty="0" smtClean="0"/>
-              <a:t>.</a:t>
-            </a:r>
-          </a:p>
-          <a:p>
-            <a:pPr fontAlgn="auto"/>
-            <a:endParaRPr lang="en-US" sz="2000" dirty="0"/>
-          </a:p>
-          <a:p>
-            <a:pPr fontAlgn="auto"/>
-            <a:r>
-              <a:rPr lang="en-US" sz="2000" b="1" dirty="0"/>
-              <a:t>4)</a:t>
-            </a:r>
-            <a:r>
-              <a:rPr lang="en-US" sz="2000" dirty="0"/>
-              <a:t>  A severe rent burden is spending more than 50 percent of one's household income on rent, and </a:t>
-            </a:r>
-            <a:r>
-              <a:rPr lang="en-US" sz="2000" b="1" dirty="0"/>
-              <a:t>31 percent</a:t>
-            </a:r>
-            <a:r>
-              <a:rPr lang="en-US" sz="2000" dirty="0"/>
-              <a:t> of New Yorkers were severely rent burdened as of 2011 (compared to 27 percent in 2007). </a:t>
-            </a:r>
-            <a:endParaRPr lang="en-US" sz="2000" dirty="0"/>
+            <a:endParaRPr lang="en-US" sz="2800" dirty="0"/>
           </a:p>
         </p:txBody>
       </p:sp>
@@ -4444,6 +4490,7 @@
           <a:bodyPr/>
           <a:lstStyle/>
           <a:p>
+            <a:pPr algn="ctr"/>
             <a:r>
               <a:rPr lang="en-US" dirty="0" smtClean="0"/>
               <a:t>Scrapping Project</a:t>
@@ -4476,11 +4523,79 @@
         </p:blipFill>
         <p:spPr>
           <a:xfrm>
-            <a:off x="152400" y="1295400"/>
+            <a:off x="381000" y="1080655"/>
             <a:ext cx="8001000" cy="3886200"/>
           </a:xfrm>
         </p:spPr>
       </p:pic>
+      <p:sp>
+        <p:nvSpPr>
+          <p:cNvPr id="3" name="Rectangle 2"/>
+          <p:cNvSpPr/>
+          <p:nvPr/>
+        </p:nvSpPr>
+        <p:spPr>
+          <a:xfrm>
+            <a:off x="228600" y="4953000"/>
+            <a:ext cx="7848600" cy="1477328"/>
+          </a:xfrm>
+          <a:prstGeom prst="rect">
+            <a:avLst/>
+          </a:prstGeom>
+        </p:spPr>
+        <p:txBody>
+          <a:bodyPr wrap="square">
+            <a:spAutoFit/>
+          </a:bodyPr>
+          <a:lstStyle/>
+          <a:p>
+            <a:pPr marL="342900" indent="-342900">
+              <a:buAutoNum type="arabicPeriod"/>
+            </a:pPr>
+            <a:r>
+              <a:rPr lang="en-US" dirty="0" smtClean="0"/>
+              <a:t>Apartment </a:t>
+            </a:r>
+            <a:r>
+              <a:rPr lang="en-US" dirty="0"/>
+              <a:t>Community Complex  -  Total = </a:t>
+            </a:r>
+            <a:r>
+              <a:rPr lang="en-US" dirty="0" smtClean="0"/>
+              <a:t>86</a:t>
+            </a:r>
+          </a:p>
+          <a:p>
+            <a:r>
+              <a:rPr lang="en-US" dirty="0" smtClean="0"/>
+              <a:t> </a:t>
+            </a:r>
+            <a:endParaRPr lang="en-US" dirty="0"/>
+          </a:p>
+          <a:p>
+            <a:pPr lvl="1"/>
+            <a:r>
+              <a:rPr lang="en-US" dirty="0"/>
+              <a:t>Studio Apartments</a:t>
+            </a:r>
+          </a:p>
+          <a:p>
+            <a:pPr lvl="1"/>
+            <a:r>
+              <a:rPr lang="en-US" dirty="0"/>
+              <a:t>1 bed room Apartments</a:t>
+            </a:r>
+          </a:p>
+          <a:p>
+            <a:pPr lvl="1"/>
+            <a:r>
+              <a:rPr lang="en-US" dirty="0"/>
+              <a:t>2 bedroom Apartments</a:t>
+            </a:r>
+            <a:endParaRPr lang="en-US" dirty="0"/>
+          </a:p>
+        </p:txBody>
+      </p:sp>
     </p:spTree>
     <p:extLst>
       <p:ext uri="{BB962C8B-B14F-4D97-AF65-F5344CB8AC3E}">
@@ -4561,11 +4676,54 @@
         </p:blipFill>
         <p:spPr>
           <a:xfrm>
-            <a:off x="228600" y="533400"/>
-            <a:ext cx="8229600" cy="5638799"/>
+            <a:off x="0" y="228600"/>
+            <a:ext cx="8229600" cy="4876800"/>
           </a:xfrm>
         </p:spPr>
       </p:pic>
+      <p:sp>
+        <p:nvSpPr>
+          <p:cNvPr id="3" name="Rectangle 2"/>
+          <p:cNvSpPr/>
+          <p:nvPr/>
+        </p:nvSpPr>
+        <p:spPr>
+          <a:xfrm>
+            <a:off x="609600" y="5486400"/>
+            <a:ext cx="7162800" cy="923330"/>
+          </a:xfrm>
+          <a:prstGeom prst="rect">
+            <a:avLst/>
+          </a:prstGeom>
+        </p:spPr>
+        <p:txBody>
+          <a:bodyPr wrap="square">
+            <a:spAutoFit/>
+          </a:bodyPr>
+          <a:lstStyle/>
+          <a:p>
+            <a:r>
+              <a:rPr lang="en-US" dirty="0"/>
+              <a:t>2. Individual Apartments/Condo/ Townhomes – </a:t>
+            </a:r>
+            <a:r>
+              <a:rPr lang="en-US" b="1" dirty="0"/>
+              <a:t>Total = 6767</a:t>
+            </a:r>
+          </a:p>
+          <a:p>
+            <a:pPr lvl="1"/>
+            <a:r>
+              <a:rPr lang="en-US" dirty="0"/>
+              <a:t>1-7 bedroom</a:t>
+            </a:r>
+          </a:p>
+          <a:p>
+            <a:pPr lvl="1"/>
+            <a:endParaRPr lang="en-US" dirty="0"/>
+          </a:p>
+        </p:txBody>
+      </p:sp>
     </p:spTree>
     <p:extLst>
       <p:ext uri="{BB962C8B-B14F-4D97-AF65-F5344CB8AC3E}">
@@ -4863,100 +5021,43 @@
           <a:bodyPr/>
           <a:lstStyle/>
           <a:p>
-            <a:pPr algn="ctr"/>
-            <a:r>
-              <a:rPr lang="en-US" dirty="0" smtClean="0"/>
-              <a:t>Data -  2 Parts</a:t>
-            </a:r>
-            <a:endParaRPr lang="en-US" dirty="0"/>
-          </a:p>
-        </p:txBody>
-      </p:sp>
-      <p:sp>
-        <p:nvSpPr>
-          <p:cNvPr id="3" name="Content Placeholder 2"/>
-          <p:cNvSpPr>
-            <a:spLocks noGrp="1"/>
-          </p:cNvSpPr>
+            <a:endParaRPr lang="en-US"/>
+          </a:p>
+        </p:txBody>
+      </p:sp>
+      <p:pic>
+        <p:nvPicPr>
+          <p:cNvPr id="4" name="Content Placeholder 3"/>
+          <p:cNvPicPr>
+            <a:picLocks noGrp="1" noChangeAspect="1"/>
+          </p:cNvPicPr>
           <p:nvPr>
             <p:ph idx="1"/>
           </p:nvPr>
-        </p:nvSpPr>
-        <p:spPr/>
-        <p:txBody>
-          <a:bodyPr/>
-          <a:lstStyle/>
-          <a:p>
-            <a:endParaRPr lang="en-US" dirty="0" smtClean="0"/>
-          </a:p>
-          <a:p>
-            <a:r>
-              <a:rPr lang="en-US" dirty="0" smtClean="0"/>
-              <a:t>1. Apartment Community Complex  -  Total = 86 </a:t>
-            </a:r>
-          </a:p>
-          <a:p>
-            <a:pPr lvl="1"/>
-            <a:r>
-              <a:rPr lang="en-US" dirty="0" smtClean="0"/>
-              <a:t>Studio Apartments</a:t>
-            </a:r>
-          </a:p>
-          <a:p>
-            <a:pPr lvl="1"/>
-            <a:r>
-              <a:rPr lang="en-US" dirty="0" smtClean="0"/>
-              <a:t>1 bed room Apartments</a:t>
-            </a:r>
-          </a:p>
-          <a:p>
-            <a:pPr lvl="1"/>
-            <a:r>
-              <a:rPr lang="en-US" dirty="0" smtClean="0"/>
-              <a:t>2 bedroom Apartments</a:t>
-            </a:r>
-            <a:endParaRPr lang="en-US" dirty="0"/>
-          </a:p>
-          <a:p>
-            <a:pPr marL="571500" indent="-457200">
-              <a:buFont typeface="+mj-lt"/>
-              <a:buAutoNum type="arabicPeriod"/>
-            </a:pPr>
-            <a:endParaRPr lang="en-US" dirty="0" smtClean="0"/>
-          </a:p>
-          <a:p>
-            <a:pPr marL="571500" indent="-457200">
-              <a:buFont typeface="+mj-lt"/>
-              <a:buAutoNum type="arabicPeriod"/>
-            </a:pPr>
-            <a:endParaRPr lang="en-US" dirty="0" smtClean="0"/>
-          </a:p>
-          <a:p>
-            <a:r>
-              <a:rPr lang="en-US" dirty="0" smtClean="0"/>
-              <a:t>2. Individual Apartments/Condo/ Townhomes – Total = 6767</a:t>
-            </a:r>
-          </a:p>
-          <a:p>
-            <a:pPr lvl="1"/>
-            <a:r>
-              <a:rPr lang="en-US" dirty="0" smtClean="0"/>
-              <a:t>1-7 bedroom</a:t>
-            </a:r>
-          </a:p>
-          <a:p>
-            <a:pPr lvl="1"/>
-            <a:endParaRPr lang="en-US" dirty="0" smtClean="0"/>
-          </a:p>
-          <a:p>
-            <a:endParaRPr lang="en-US" dirty="0"/>
-          </a:p>
-        </p:txBody>
-      </p:sp>
+        </p:nvPicPr>
+        <p:blipFill>
+          <a:blip r:embed="rId2">
+            <a:extLst>
+              <a:ext uri="{28A0092B-C50C-407E-A947-70E740481C1C}">
+                <a14:useLocalDpi xmlns:a14="http://schemas.microsoft.com/office/drawing/2010/main" val="0"/>
+              </a:ext>
+            </a:extLst>
+          </a:blip>
+          <a:stretch>
+            <a:fillRect/>
+          </a:stretch>
+        </p:blipFill>
+        <p:spPr>
+          <a:xfrm>
+            <a:off x="0" y="0"/>
+            <a:ext cx="8991600" cy="6781800"/>
+          </a:xfrm>
+        </p:spPr>
+      </p:pic>
     </p:spTree>
     <p:extLst>
       <p:ext uri="{BB962C8B-B14F-4D97-AF65-F5344CB8AC3E}">
-        <p14:creationId xmlns:p14="http://schemas.microsoft.com/office/powerpoint/2010/main" val="2208901825"/>
+        <p14:creationId xmlns:p14="http://schemas.microsoft.com/office/powerpoint/2010/main" val="2839204073"/>
       </p:ext>
     </p:extLst>
   </p:cSld>
@@ -5033,15 +5134,15 @@
         </p:blipFill>
         <p:spPr>
           <a:xfrm>
-            <a:off x="228600" y="381000"/>
-            <a:ext cx="8153400" cy="5911161"/>
+            <a:off x="76200" y="0"/>
+            <a:ext cx="8915400" cy="6705600"/>
           </a:xfrm>
         </p:spPr>
       </p:pic>
     </p:spTree>
     <p:extLst>
       <p:ext uri="{BB962C8B-B14F-4D97-AF65-F5344CB8AC3E}">
-        <p14:creationId xmlns:p14="http://schemas.microsoft.com/office/powerpoint/2010/main" val="1081285645"/>
+        <p14:creationId xmlns:p14="http://schemas.microsoft.com/office/powerpoint/2010/main" val="3836748566"/>
       </p:ext>
     </p:extLst>
   </p:cSld>
